--- a/Phase A/Lemon Health Monitoring - Phase A.pptx
+++ b/Phase A/Lemon Health Monitoring - Phase A.pptx
@@ -19707,7 +19707,7 @@
       </p:sp>
       <p:pic>
         <p:nvPicPr>
-          <p:cNvPr id="5124" name="Picture 4" descr="A diagram of a health monitoring system&#10;&#10;AI-generated content may be incorrect.">
+          <p:cNvPr id="5124" name="Picture 4">
             <a:extLst>
               <a:ext uri="{FF2B5EF4-FFF2-40B4-BE49-F238E27FC236}">
                 <a16:creationId xmlns:a16="http://schemas.microsoft.com/office/drawing/2014/main" id="{9DD4F5E9-FBDC-1EDA-C5A7-C6F6F2AFBEEF}"/>
@@ -19727,14 +19727,13 @@
               </a:ext>
             </a:extLst>
           </a:blip>
-          <a:stretch>
-            <a:fillRect/>
-          </a:stretch>
+          <a:srcRect/>
+          <a:stretch/>
         </p:blipFill>
         <p:spPr bwMode="auto">
           <a:xfrm>
-            <a:off x="5862735" y="976212"/>
-            <a:ext cx="6118225" cy="5353446"/>
+            <a:off x="5866847" y="976212"/>
+            <a:ext cx="6110000" cy="5353446"/>
           </a:xfrm>
           <a:prstGeom prst="rect">
             <a:avLst/>
@@ -19866,7 +19865,7 @@
       </p:sp>
       <p:pic>
         <p:nvPicPr>
-          <p:cNvPr id="7170" name="Picture 2" descr="A diagram of a software system&#10;&#10;AI-generated content may be incorrect.">
+          <p:cNvPr id="7170" name="Picture 2">
             <a:extLst>
               <a:ext uri="{FF2B5EF4-FFF2-40B4-BE49-F238E27FC236}">
                 <a16:creationId xmlns:a16="http://schemas.microsoft.com/office/drawing/2014/main" id="{56094F26-4203-A253-1545-06EFF1C297C9}"/>
@@ -19886,14 +19885,13 @@
               </a:ext>
             </a:extLst>
           </a:blip>
-          <a:stretch>
-            <a:fillRect/>
-          </a:stretch>
+          <a:srcRect/>
+          <a:stretch/>
         </p:blipFill>
         <p:spPr bwMode="auto">
           <a:xfrm>
-            <a:off x="976915" y="2393882"/>
-            <a:ext cx="7989804" cy="4274546"/>
+            <a:off x="976915" y="2398471"/>
+            <a:ext cx="7989804" cy="4265367"/>
           </a:xfrm>
           <a:prstGeom prst="rect">
             <a:avLst/>
@@ -28222,15 +28220,6 @@
           <a:solidFill>
             <a:srgbClr val="FFFFFF"/>
           </a:solidFill>
-          <a:extLst>
-            <a:ext uri="{909E8E84-426E-40DD-AFC4-6F175D3DCCD1}">
-              <a14:hiddenFill xmlns:a14="http://schemas.microsoft.com/office/drawing/2010/main">
-                <a:solidFill>
-                  <a:srgbClr val="FFFFFF"/>
-                </a:solidFill>
-              </a14:hiddenFill>
-            </a:ext>
-          </a:extLst>
         </p:spPr>
       </p:pic>
       <p:sp>
@@ -30386,15 +30375,6 @@
 </file>
 
 <file path=customXml/item1.xml><?xml version="1.0" encoding="utf-8"?>
-<?mso-contentType ?>
-<FormTemplates xmlns="http://schemas.microsoft.com/sharepoint/v3/contenttype/forms">
-  <Display>DocumentLibraryForm</Display>
-  <Edit>DocumentLibraryForm</Edit>
-  <New>DocumentLibraryForm</New>
-</FormTemplates>
-</file>
-
-<file path=customXml/item2.xml><?xml version="1.0" encoding="utf-8"?>
 <p:properties xmlns:p="http://schemas.microsoft.com/office/2006/metadata/properties" xmlns:xsi="http://www.w3.org/2001/XMLSchema-instance" xmlns:pc="http://schemas.microsoft.com/office/infopath/2007/PartnerControls">
   <documentManagement>
     <Background xmlns="71af3243-3dd4-4a8d-8c0d-dd76da1f02a5">false</Background>
@@ -30412,6 +30392,15 @@
     <MediaServiceKeyPoints xmlns="71af3243-3dd4-4a8d-8c0d-dd76da1f02a5" xsi:nil="true"/>
   </documentManagement>
 </p:properties>
+</file>
+
+<file path=customXml/item2.xml><?xml version="1.0" encoding="utf-8"?>
+<?mso-contentType ?>
+<FormTemplates xmlns="http://schemas.microsoft.com/sharepoint/v3/contenttype/forms">
+  <Display>DocumentLibraryForm</Display>
+  <Edit>DocumentLibraryForm</Edit>
+  <New>DocumentLibraryForm</New>
+</FormTemplates>
 </file>
 
 <file path=customXml/item3.xml><?xml version="1.0" encoding="utf-8"?>
@@ -30727,14 +30716,6 @@
 </file>
 
 <file path=customXml/itemProps1.xml><?xml version="1.0" encoding="utf-8"?>
-<ds:datastoreItem xmlns:ds="http://schemas.openxmlformats.org/officeDocument/2006/customXml" ds:itemID="{C21FFAC0-05A2-416A-B06C-C248395482CF}">
-  <ds:schemaRefs>
-    <ds:schemaRef ds:uri="http://schemas.microsoft.com/sharepoint/v3/contenttype/forms"/>
-  </ds:schemaRefs>
-</ds:datastoreItem>
-</file>
-
-<file path=customXml/itemProps2.xml><?xml version="1.0" encoding="utf-8"?>
 <ds:datastoreItem xmlns:ds="http://schemas.openxmlformats.org/officeDocument/2006/customXml" ds:itemID="{4F4B194E-8B30-4377-8C59-ECFB902D2A26}">
   <ds:schemaRefs>
     <ds:schemaRef ds:uri="http://schemas.microsoft.com/office/2006/metadata/properties"/>
@@ -30742,6 +30723,14 @@
     <ds:schemaRef ds:uri="71af3243-3dd4-4a8d-8c0d-dd76da1f02a5"/>
     <ds:schemaRef ds:uri="http://schemas.microsoft.com/sharepoint/v3"/>
     <ds:schemaRef ds:uri="230e9df3-be65-4c73-a93b-d1236ebd677e"/>
+  </ds:schemaRefs>
+</ds:datastoreItem>
+</file>
+
+<file path=customXml/itemProps2.xml><?xml version="1.0" encoding="utf-8"?>
+<ds:datastoreItem xmlns:ds="http://schemas.openxmlformats.org/officeDocument/2006/customXml" ds:itemID="{C21FFAC0-05A2-416A-B06C-C248395482CF}">
+  <ds:schemaRefs>
+    <ds:schemaRef ds:uri="http://schemas.microsoft.com/sharepoint/v3/contenttype/forms"/>
   </ds:schemaRefs>
 </ds:datastoreItem>
 </file>
